--- a/Presentation ASPNET - Part III.pptx
+++ b/Presentation ASPNET - Part III.pptx
@@ -307,7 +307,7 @@
           <a:p>
             <a:fld id="{CD54E0B9-A397-428E-BA01-CD7A34B572EB}" type="datetimeFigureOut">
               <a:rPr lang="en-US" smtClean="0"/>
-              <a:t>5/23/2021</a:t>
+              <a:t>5/14/2022</a:t>
             </a:fld>
             <a:endParaRPr lang="en-US"/>
           </a:p>
@@ -472,7 +472,7 @@
           <a:p>
             <a:fld id="{AA161301-18C9-4CA0-A0BF-791B6E0DDD4D}" type="datetimeFigureOut">
               <a:rPr lang="en-GB" smtClean="0"/>
-              <a:t>23/05/2021</a:t>
+              <a:t>14/05/2022</a:t>
             </a:fld>
             <a:endParaRPr lang="en-GB"/>
           </a:p>
@@ -11827,15 +11827,7 @@
             </a:r>
             <a:r>
               <a:rPr lang="en-US" b="1" dirty="0"/>
-              <a:t> </a:t>
-            </a:r>
-            <a:r>
-              <a:rPr lang="en-US" b="1"/>
-              <a:t>MVC Core 2 </a:t>
-            </a:r>
-            <a:r>
-              <a:rPr lang="en-US" b="1" dirty="0"/>
-              <a:t>– Part II</a:t>
+              <a:t> – Part III</a:t>
             </a:r>
             <a:endParaRPr lang="hr-HR" b="1" dirty="0">
               <a:effectLst>

--- a/Presentation ASPNET - Part III.pptx
+++ b/Presentation ASPNET - Part III.pptx
@@ -307,7 +307,7 @@
           <a:p>
             <a:fld id="{CD54E0B9-A397-428E-BA01-CD7A34B572EB}" type="datetimeFigureOut">
               <a:rPr lang="en-US" smtClean="0"/>
-              <a:t>5/14/2022</a:t>
+              <a:t>5/21/2022</a:t>
             </a:fld>
             <a:endParaRPr lang="en-US"/>
           </a:p>
@@ -472,7 +472,7 @@
           <a:p>
             <a:fld id="{AA161301-18C9-4CA0-A0BF-791B6E0DDD4D}" type="datetimeFigureOut">
               <a:rPr lang="en-GB" smtClean="0"/>
-              <a:t>14/05/2022</a:t>
+              <a:t>21/05/2022</a:t>
             </a:fld>
             <a:endParaRPr lang="en-GB"/>
           </a:p>

--- a/Presentation ASPNET - Part III.pptx
+++ b/Presentation ASPNET - Part III.pptx
@@ -5,10 +5,10 @@
     <p:sldMasterId id="2147483648" r:id="rId1"/>
   </p:sldMasterIdLst>
   <p:notesMasterIdLst>
-    <p:notesMasterId r:id="rId33"/>
+    <p:notesMasterId r:id="rId34"/>
   </p:notesMasterIdLst>
   <p:handoutMasterIdLst>
-    <p:handoutMasterId r:id="rId34"/>
+    <p:handoutMasterId r:id="rId35"/>
   </p:handoutMasterIdLst>
   <p:sldIdLst>
     <p:sldId id="493" r:id="rId2"/>
@@ -36,12 +36,13 @@
     <p:sldId id="788" r:id="rId24"/>
     <p:sldId id="822" r:id="rId25"/>
     <p:sldId id="823" r:id="rId26"/>
-    <p:sldId id="824" r:id="rId27"/>
-    <p:sldId id="825" r:id="rId28"/>
-    <p:sldId id="818" r:id="rId29"/>
-    <p:sldId id="790" r:id="rId30"/>
-    <p:sldId id="729" r:id="rId31"/>
-    <p:sldId id="827" r:id="rId32"/>
+    <p:sldId id="834" r:id="rId27"/>
+    <p:sldId id="824" r:id="rId28"/>
+    <p:sldId id="825" r:id="rId29"/>
+    <p:sldId id="818" r:id="rId30"/>
+    <p:sldId id="790" r:id="rId31"/>
+    <p:sldId id="729" r:id="rId32"/>
+    <p:sldId id="827" r:id="rId33"/>
   </p:sldIdLst>
   <p:sldSz cx="12192000" cy="6858000"/>
   <p:notesSz cx="9928225" cy="6797675"/>
@@ -182,6 +183,7 @@
           <p14:sldIdLst>
             <p14:sldId id="822"/>
             <p14:sldId id="823"/>
+            <p14:sldId id="834"/>
           </p14:sldIdLst>
         </p14:section>
         <p14:section name="Cross-Site Scripting (XSS)" id="{C54E39C5-14F5-466C-BABB-4B49E3ED504E}">
@@ -307,7 +309,7 @@
           <a:p>
             <a:fld id="{CD54E0B9-A397-428E-BA01-CD7A34B572EB}" type="datetimeFigureOut">
               <a:rPr lang="en-US" smtClean="0"/>
-              <a:t>5/21/2022</a:t>
+              <a:t>2/24/2023</a:t>
             </a:fld>
             <a:endParaRPr lang="en-US"/>
           </a:p>
@@ -472,7 +474,7 @@
           <a:p>
             <a:fld id="{AA161301-18C9-4CA0-A0BF-791B6E0DDD4D}" type="datetimeFigureOut">
               <a:rPr lang="en-GB" smtClean="0"/>
-              <a:t>21/05/2022</a:t>
+              <a:t>24/02/2023</a:t>
             </a:fld>
             <a:endParaRPr lang="en-GB"/>
           </a:p>
@@ -1177,7 +1179,7 @@
           <a:p>
             <a:fld id="{0BF20BA8-12AF-476D-99B2-894C09A4EE62}" type="slidenum">
               <a:rPr lang="en-GB" smtClean="0"/>
-              <a:t>27</a:t>
+              <a:t>28</a:t>
             </a:fld>
             <a:endParaRPr lang="en-GB"/>
           </a:p>
@@ -13487,7 +13489,7 @@
           <a:p>
             <a:r>
               <a:rPr lang="en-US" dirty="0"/>
-              <a:t>Cross-Site Request forgery</a:t>
+              <a:t>Cross-Site Request Forgery (XSRF/CSRF) </a:t>
             </a:r>
             <a:endParaRPr lang="ro-RO" dirty="0"/>
           </a:p>
@@ -13657,7 +13659,7 @@
           <a:p>
             <a:r>
               <a:rPr lang="en-US" dirty="0"/>
-              <a:t>Cross-Site Request forgery</a:t>
+              <a:t>Cross-Site Request Forgery (XSRF/CSRF) </a:t>
             </a:r>
             <a:endParaRPr lang="ro-RO" dirty="0"/>
           </a:p>
@@ -14055,7 +14057,7 @@
           <a:p>
             <a:r>
               <a:rPr lang="en-US" dirty="0"/>
-              <a:t>Cross-Site Request forgery</a:t>
+              <a:t>Cross-Site Request Forgery (XSRF/CSRF) </a:t>
             </a:r>
             <a:endParaRPr lang="ro-RO" dirty="0"/>
           </a:p>
@@ -14359,7 +14361,7 @@
           <a:p>
             <a:r>
               <a:rPr lang="en-US" dirty="0"/>
-              <a:t>Cross-Site Request forgery</a:t>
+              <a:t>Cross-Site Request Forgery (XSRF/CSRF) </a:t>
             </a:r>
             <a:endParaRPr lang="ro-RO" dirty="0"/>
           </a:p>
@@ -14899,7 +14901,7 @@
           <a:p>
             <a:r>
               <a:rPr lang="en-US" dirty="0"/>
-              <a:t>Cross-Site Request forgery</a:t>
+              <a:t>Cross-Site Request Forgery (XSRF/CSRF) </a:t>
             </a:r>
             <a:endParaRPr lang="ro-RO" dirty="0"/>
           </a:p>
@@ -15687,7 +15689,7 @@
           <a:p>
             <a:r>
               <a:rPr lang="en-US" dirty="0"/>
-              <a:t>Cross-Site Request forgery</a:t>
+              <a:t>Cross-Site Request Forgery (XSRF/CSRF) </a:t>
             </a:r>
           </a:p>
         </p:txBody>
@@ -15811,7 +15813,7 @@
           <a:p>
             <a:r>
               <a:rPr lang="en-US" dirty="0"/>
-              <a:t>Cross-Site Request forgery</a:t>
+              <a:t>Cross-Site Request Forgery (XSRF/CSRF) </a:t>
             </a:r>
           </a:p>
         </p:txBody>
@@ -16041,7 +16043,7 @@
           <a:p>
             <a:r>
               <a:rPr lang="en-US" dirty="0"/>
-              <a:t>Cross-Site Request forgery</a:t>
+              <a:t>Cross-Site Request Forgery (XSRF/CSRF) </a:t>
             </a:r>
           </a:p>
         </p:txBody>
@@ -16647,7 +16649,7 @@
           <a:p>
             <a:r>
               <a:rPr lang="en-US" dirty="0"/>
-              <a:t>Cross-Site Request forgery</a:t>
+              <a:t>Cross-Site Request Forgery (XSRF/CSRF) </a:t>
             </a:r>
             <a:endParaRPr lang="ro-RO" dirty="0"/>
           </a:p>
@@ -17006,6 +17008,153 @@
       </p:grpSpPr>
       <p:sp>
         <p:nvSpPr>
+          <p:cNvPr id="3" name="Title 2"/>
+          <p:cNvSpPr>
+            <a:spLocks noGrp="1"/>
+          </p:cNvSpPr>
+          <p:nvPr>
+            <p:ph type="title"/>
+          </p:nvPr>
+        </p:nvSpPr>
+        <p:spPr/>
+        <p:txBody>
+          <a:bodyPr/>
+          <a:lstStyle/>
+          <a:p>
+            <a:r>
+              <a:rPr lang="en-US" dirty="0"/>
+              <a:t>Cross-Origin Requests (CORS)</a:t>
+            </a:r>
+          </a:p>
+        </p:txBody>
+      </p:sp>
+      <p:sp>
+        <p:nvSpPr>
+          <p:cNvPr id="6" name="Text Placeholder 5"/>
+          <p:cNvSpPr>
+            <a:spLocks noGrp="1"/>
+          </p:cNvSpPr>
+          <p:nvPr>
+            <p:ph type="body" sz="quarter" idx="10"/>
+          </p:nvPr>
+        </p:nvSpPr>
+        <p:spPr/>
+        <p:txBody>
+          <a:bodyPr/>
+          <a:lstStyle/>
+          <a:p>
+            <a:r>
+              <a:rPr lang="en-US" dirty="0"/>
+              <a:t>Demo</a:t>
+            </a:r>
+          </a:p>
+        </p:txBody>
+      </p:sp>
+      <p:sp>
+        <p:nvSpPr>
+          <p:cNvPr id="4" name="Content Placeholder 3">
+            <a:extLst>
+              <a:ext uri="{FF2B5EF4-FFF2-40B4-BE49-F238E27FC236}">
+                <a16:creationId xmlns:a16="http://schemas.microsoft.com/office/drawing/2014/main" id="{EDD56E1D-9EB9-C3EF-5CDD-3CB60FA96B9B}"/>
+              </a:ext>
+            </a:extLst>
+          </p:cNvPr>
+          <p:cNvSpPr>
+            <a:spLocks noGrp="1"/>
+          </p:cNvSpPr>
+          <p:nvPr>
+            <p:ph idx="1"/>
+          </p:nvPr>
+        </p:nvSpPr>
+        <p:spPr/>
+        <p:txBody>
+          <a:bodyPr/>
+          <a:lstStyle/>
+          <a:p>
+            <a:endParaRPr lang="ro-RO"/>
+          </a:p>
+        </p:txBody>
+      </p:sp>
+      <p:pic>
+        <p:nvPicPr>
+          <p:cNvPr id="5" name="Content Placeholder 8">
+            <a:extLst>
+              <a:ext uri="{FF2B5EF4-FFF2-40B4-BE49-F238E27FC236}">
+                <a16:creationId xmlns:a16="http://schemas.microsoft.com/office/drawing/2014/main" id="{65772907-81AC-5A1F-3C5F-52C580A2B939}"/>
+              </a:ext>
+            </a:extLst>
+          </p:cNvPr>
+          <p:cNvPicPr>
+            <a:picLocks noChangeAspect="1"/>
+          </p:cNvPicPr>
+          <p:nvPr/>
+        </p:nvPicPr>
+        <p:blipFill>
+          <a:blip r:embed="rId2" cstate="print">
+            <a:extLst>
+              <a:ext uri="{28A0092B-C50C-407E-A947-70E740481C1C}">
+                <a14:useLocalDpi xmlns:a14="http://schemas.microsoft.com/office/drawing/2010/main" val="0"/>
+              </a:ext>
+            </a:extLst>
+          </a:blip>
+          <a:stretch>
+            <a:fillRect/>
+          </a:stretch>
+        </p:blipFill>
+        <p:spPr>
+          <a:xfrm>
+            <a:off x="4655840" y="2420888"/>
+            <a:ext cx="3177851" cy="3177851"/>
+          </a:xfrm>
+          <a:prstGeom prst="rect">
+            <a:avLst/>
+          </a:prstGeom>
+        </p:spPr>
+      </p:pic>
+    </p:spTree>
+    <p:extLst>
+      <p:ext uri="{BB962C8B-B14F-4D97-AF65-F5344CB8AC3E}">
+        <p14:creationId xmlns:p14="http://schemas.microsoft.com/office/powerpoint/2010/main" val="4291497533"/>
+      </p:ext>
+    </p:extLst>
+  </p:cSld>
+  <p:clrMapOvr>
+    <a:masterClrMapping/>
+  </p:clrMapOvr>
+  <mc:AlternateContent xmlns:mc="http://schemas.openxmlformats.org/markup-compatibility/2006" xmlns:p14="http://schemas.microsoft.com/office/powerpoint/2010/main">
+    <mc:Choice Requires="p14">
+      <p:transition spd="med" p14:dur="700">
+        <p:fade/>
+      </p:transition>
+    </mc:Choice>
+    <mc:Fallback xmlns="">
+      <p:transition spd="med">
+        <p:fade/>
+      </p:transition>
+    </mc:Fallback>
+  </mc:AlternateContent>
+</p:sld>
+</file>
+
+<file path=ppt/slides/slide27.xml><?xml version="1.0" encoding="utf-8"?>
+<p:sld xmlns:a="http://schemas.openxmlformats.org/drawingml/2006/main" xmlns:r="http://schemas.openxmlformats.org/officeDocument/2006/relationships" xmlns:p="http://schemas.openxmlformats.org/presentationml/2006/main">
+  <p:cSld>
+    <p:spTree>
+      <p:nvGrpSpPr>
+        <p:cNvPr id="1" name=""/>
+        <p:cNvGrpSpPr/>
+        <p:nvPr/>
+      </p:nvGrpSpPr>
+      <p:grpSpPr>
+        <a:xfrm>
+          <a:off x="0" y="0"/>
+          <a:ext cx="0" cy="0"/>
+          <a:chOff x="0" y="0"/>
+          <a:chExt cx="0" cy="0"/>
+        </a:xfrm>
+      </p:grpSpPr>
+      <p:sp>
+        <p:nvSpPr>
           <p:cNvPr id="5" name="Title 4">
             <a:extLst>
               <a:ext uri="{FF2B5EF4-FFF2-40B4-BE49-F238E27FC236}">
@@ -17058,7 +17207,7 @@
 </p:sld>
 </file>
 
-<file path=ppt/slides/slide27.xml><?xml version="1.0" encoding="utf-8"?>
+<file path=ppt/slides/slide28.xml><?xml version="1.0" encoding="utf-8"?>
 <p:sld xmlns:a="http://schemas.openxmlformats.org/drawingml/2006/main" xmlns:r="http://schemas.openxmlformats.org/officeDocument/2006/relationships" xmlns:p="http://schemas.openxmlformats.org/presentationml/2006/main">
   <p:cSld>
     <p:spTree>
@@ -17201,7 +17350,7 @@
 </p:sld>
 </file>
 
-<file path=ppt/slides/slide28.xml><?xml version="1.0" encoding="utf-8"?>
+<file path=ppt/slides/slide29.xml><?xml version="1.0" encoding="utf-8"?>
 <p:sld xmlns:a="http://schemas.openxmlformats.org/drawingml/2006/main" xmlns:r="http://schemas.openxmlformats.org/officeDocument/2006/relationships" xmlns:p="http://schemas.openxmlformats.org/presentationml/2006/main">
   <p:cSld>
     <p:spTree>
@@ -17264,163 +17413,6 @@
     </mc:Choice>
     <mc:Fallback xmlns="">
       <p:transition spd="med" advClick="0" advTm="1500">
-        <p:fade/>
-      </p:transition>
-    </mc:Fallback>
-  </mc:AlternateContent>
-</p:sld>
-</file>
-
-<file path=ppt/slides/slide29.xml><?xml version="1.0" encoding="utf-8"?>
-<p:sld xmlns:a="http://schemas.openxmlformats.org/drawingml/2006/main" xmlns:r="http://schemas.openxmlformats.org/officeDocument/2006/relationships" xmlns:p="http://schemas.openxmlformats.org/presentationml/2006/main">
-  <p:cSld>
-    <p:spTree>
-      <p:nvGrpSpPr>
-        <p:cNvPr id="1" name=""/>
-        <p:cNvGrpSpPr/>
-        <p:nvPr/>
-      </p:nvGrpSpPr>
-      <p:grpSpPr>
-        <a:xfrm>
-          <a:off x="0" y="0"/>
-          <a:ext cx="0" cy="0"/>
-          <a:chOff x="0" y="0"/>
-          <a:chExt cx="0" cy="0"/>
-        </a:xfrm>
-      </p:grpSpPr>
-      <p:sp>
-        <p:nvSpPr>
-          <p:cNvPr id="2" name="Title 1"/>
-          <p:cNvSpPr>
-            <a:spLocks noGrp="1"/>
-          </p:cNvSpPr>
-          <p:nvPr>
-            <p:ph type="title"/>
-          </p:nvPr>
-        </p:nvSpPr>
-        <p:spPr/>
-        <p:txBody>
-          <a:bodyPr/>
-          <a:lstStyle/>
-          <a:p>
-            <a:r>
-              <a:rPr lang="en-US" dirty="0"/>
-              <a:t>General recommendations</a:t>
-            </a:r>
-            <a:endParaRPr lang="ro-RO" dirty="0"/>
-          </a:p>
-        </p:txBody>
-      </p:sp>
-      <p:sp>
-        <p:nvSpPr>
-          <p:cNvPr id="3" name="Content Placeholder 2"/>
-          <p:cNvSpPr>
-            <a:spLocks noGrp="1"/>
-          </p:cNvSpPr>
-          <p:nvPr>
-            <p:ph idx="1"/>
-          </p:nvPr>
-        </p:nvSpPr>
-        <p:spPr/>
-        <p:txBody>
-          <a:bodyPr/>
-          <a:lstStyle/>
-          <a:p>
-            <a:pPr>
-              <a:buFont typeface="Wingdings" pitchFamily="2" charset="2"/>
-              <a:buChar char="§"/>
-            </a:pPr>
-            <a:r>
-              <a:rPr lang="en-US" dirty="0"/>
-              <a:t>Only </a:t>
-            </a:r>
-            <a:r>
-              <a:rPr lang="en-US" b="1" dirty="0"/>
-              <a:t>Action</a:t>
-            </a:r>
-            <a:r>
-              <a:rPr lang="en-US" dirty="0"/>
-              <a:t> methods should be </a:t>
-            </a:r>
-            <a:r>
-              <a:rPr lang="en-US" b="1" dirty="0"/>
-              <a:t>public</a:t>
-            </a:r>
-            <a:r>
-              <a:rPr lang="en-US" dirty="0"/>
-              <a:t> in </a:t>
-            </a:r>
-            <a:r>
-              <a:rPr lang="en-US" b="1" dirty="0"/>
-              <a:t>controller</a:t>
-            </a:r>
-            <a:r>
-              <a:rPr lang="en-US" dirty="0"/>
-              <a:t> classes. The </a:t>
-            </a:r>
-            <a:r>
-              <a:rPr lang="en-US" b="1" dirty="0"/>
-              <a:t>[</a:t>
-            </a:r>
-            <a:r>
-              <a:rPr lang="en-US" b="1" dirty="0" err="1"/>
-              <a:t>NonAction</a:t>
-            </a:r>
-            <a:r>
-              <a:rPr lang="en-US" b="1" dirty="0"/>
-              <a:t>] </a:t>
-            </a:r>
-            <a:r>
-              <a:rPr lang="en-US" dirty="0"/>
-              <a:t>attribute can also be used to hide public methods.</a:t>
-            </a:r>
-          </a:p>
-          <a:p>
-            <a:pPr>
-              <a:buFont typeface="Wingdings" pitchFamily="2" charset="2"/>
-              <a:buChar char="§"/>
-            </a:pPr>
-            <a:endParaRPr lang="en-US" dirty="0"/>
-          </a:p>
-          <a:p>
-            <a:pPr>
-              <a:buFont typeface="Wingdings" pitchFamily="2" charset="2"/>
-              <a:buChar char="§"/>
-            </a:pPr>
-            <a:r>
-              <a:rPr lang="en-US" dirty="0"/>
-              <a:t>Implicit </a:t>
-            </a:r>
-            <a:r>
-              <a:rPr lang="en-US" b="1" dirty="0"/>
-              <a:t>model binding </a:t>
-            </a:r>
-            <a:r>
-              <a:rPr lang="en-US" dirty="0"/>
-              <a:t>can be used by attackers to modify unintended data.</a:t>
-            </a:r>
-            <a:endParaRPr lang="ro-RO" dirty="0"/>
-          </a:p>
-        </p:txBody>
-      </p:sp>
-    </p:spTree>
-    <p:extLst>
-      <p:ext uri="{BB962C8B-B14F-4D97-AF65-F5344CB8AC3E}">
-        <p14:creationId xmlns:p14="http://schemas.microsoft.com/office/powerpoint/2010/main" val="1891420182"/>
-      </p:ext>
-    </p:extLst>
-  </p:cSld>
-  <p:clrMapOvr>
-    <a:masterClrMapping/>
-  </p:clrMapOvr>
-  <mc:AlternateContent xmlns:mc="http://schemas.openxmlformats.org/markup-compatibility/2006" xmlns:p14="http://schemas.microsoft.com/office/powerpoint/2010/main">
-    <mc:Choice Requires="p14">
-      <p:transition spd="med" p14:dur="700">
-        <p:fade/>
-      </p:transition>
-    </mc:Choice>
-    <mc:Fallback xmlns="">
-      <p:transition spd="med">
         <p:fade/>
       </p:transition>
     </mc:Fallback>
@@ -17610,6 +17602,163 @@
       </p:grpSpPr>
       <p:sp>
         <p:nvSpPr>
+          <p:cNvPr id="2" name="Title 1"/>
+          <p:cNvSpPr>
+            <a:spLocks noGrp="1"/>
+          </p:cNvSpPr>
+          <p:nvPr>
+            <p:ph type="title"/>
+          </p:nvPr>
+        </p:nvSpPr>
+        <p:spPr/>
+        <p:txBody>
+          <a:bodyPr/>
+          <a:lstStyle/>
+          <a:p>
+            <a:r>
+              <a:rPr lang="en-US" dirty="0"/>
+              <a:t>General recommendations</a:t>
+            </a:r>
+            <a:endParaRPr lang="ro-RO" dirty="0"/>
+          </a:p>
+        </p:txBody>
+      </p:sp>
+      <p:sp>
+        <p:nvSpPr>
+          <p:cNvPr id="3" name="Content Placeholder 2"/>
+          <p:cNvSpPr>
+            <a:spLocks noGrp="1"/>
+          </p:cNvSpPr>
+          <p:nvPr>
+            <p:ph idx="1"/>
+          </p:nvPr>
+        </p:nvSpPr>
+        <p:spPr/>
+        <p:txBody>
+          <a:bodyPr/>
+          <a:lstStyle/>
+          <a:p>
+            <a:pPr>
+              <a:buFont typeface="Wingdings" pitchFamily="2" charset="2"/>
+              <a:buChar char="§"/>
+            </a:pPr>
+            <a:r>
+              <a:rPr lang="en-US" dirty="0"/>
+              <a:t>Only </a:t>
+            </a:r>
+            <a:r>
+              <a:rPr lang="en-US" b="1" dirty="0"/>
+              <a:t>Action</a:t>
+            </a:r>
+            <a:r>
+              <a:rPr lang="en-US" dirty="0"/>
+              <a:t> methods should be </a:t>
+            </a:r>
+            <a:r>
+              <a:rPr lang="en-US" b="1" dirty="0"/>
+              <a:t>public</a:t>
+            </a:r>
+            <a:r>
+              <a:rPr lang="en-US" dirty="0"/>
+              <a:t> in </a:t>
+            </a:r>
+            <a:r>
+              <a:rPr lang="en-US" b="1" dirty="0"/>
+              <a:t>controller</a:t>
+            </a:r>
+            <a:r>
+              <a:rPr lang="en-US" dirty="0"/>
+              <a:t> classes. The </a:t>
+            </a:r>
+            <a:r>
+              <a:rPr lang="en-US" b="1" dirty="0"/>
+              <a:t>[</a:t>
+            </a:r>
+            <a:r>
+              <a:rPr lang="en-US" b="1" dirty="0" err="1"/>
+              <a:t>NonAction</a:t>
+            </a:r>
+            <a:r>
+              <a:rPr lang="en-US" b="1" dirty="0"/>
+              <a:t>] </a:t>
+            </a:r>
+            <a:r>
+              <a:rPr lang="en-US" dirty="0"/>
+              <a:t>attribute can also be used to hide public methods.</a:t>
+            </a:r>
+          </a:p>
+          <a:p>
+            <a:pPr>
+              <a:buFont typeface="Wingdings" pitchFamily="2" charset="2"/>
+              <a:buChar char="§"/>
+            </a:pPr>
+            <a:endParaRPr lang="en-US" dirty="0"/>
+          </a:p>
+          <a:p>
+            <a:pPr>
+              <a:buFont typeface="Wingdings" pitchFamily="2" charset="2"/>
+              <a:buChar char="§"/>
+            </a:pPr>
+            <a:r>
+              <a:rPr lang="en-US" dirty="0"/>
+              <a:t>Implicit </a:t>
+            </a:r>
+            <a:r>
+              <a:rPr lang="en-US" b="1" dirty="0"/>
+              <a:t>model binding </a:t>
+            </a:r>
+            <a:r>
+              <a:rPr lang="en-US" dirty="0"/>
+              <a:t>can be used by attackers to modify unintended data.</a:t>
+            </a:r>
+            <a:endParaRPr lang="ro-RO" dirty="0"/>
+          </a:p>
+        </p:txBody>
+      </p:sp>
+    </p:spTree>
+    <p:extLst>
+      <p:ext uri="{BB962C8B-B14F-4D97-AF65-F5344CB8AC3E}">
+        <p14:creationId xmlns:p14="http://schemas.microsoft.com/office/powerpoint/2010/main" val="1891420182"/>
+      </p:ext>
+    </p:extLst>
+  </p:cSld>
+  <p:clrMapOvr>
+    <a:masterClrMapping/>
+  </p:clrMapOvr>
+  <mc:AlternateContent xmlns:mc="http://schemas.openxmlformats.org/markup-compatibility/2006" xmlns:p14="http://schemas.microsoft.com/office/powerpoint/2010/main">
+    <mc:Choice Requires="p14">
+      <p:transition spd="med" p14:dur="700">
+        <p:fade/>
+      </p:transition>
+    </mc:Choice>
+    <mc:Fallback xmlns="">
+      <p:transition spd="med">
+        <p:fade/>
+      </p:transition>
+    </mc:Fallback>
+  </mc:AlternateContent>
+</p:sld>
+</file>
+
+<file path=ppt/slides/slide31.xml><?xml version="1.0" encoding="utf-8"?>
+<p:sld xmlns:a="http://schemas.openxmlformats.org/drawingml/2006/main" xmlns:r="http://schemas.openxmlformats.org/officeDocument/2006/relationships" xmlns:p="http://schemas.openxmlformats.org/presentationml/2006/main">
+  <p:cSld>
+    <p:spTree>
+      <p:nvGrpSpPr>
+        <p:cNvPr id="1" name=""/>
+        <p:cNvGrpSpPr/>
+        <p:nvPr/>
+      </p:nvGrpSpPr>
+      <p:grpSpPr>
+        <a:xfrm>
+          <a:off x="0" y="0"/>
+          <a:ext cx="0" cy="0"/>
+          <a:chOff x="0" y="0"/>
+          <a:chExt cx="0" cy="0"/>
+        </a:xfrm>
+      </p:grpSpPr>
+      <p:sp>
+        <p:nvSpPr>
           <p:cNvPr id="4" name="Title 3"/>
           <p:cNvSpPr>
             <a:spLocks noGrp="1"/>
@@ -17655,7 +17804,7 @@
 </p:sld>
 </file>
 
-<file path=ppt/slides/slide31.xml><?xml version="1.0" encoding="utf-8"?>
+<file path=ppt/slides/slide32.xml><?xml version="1.0" encoding="utf-8"?>
 <p:sld xmlns:a="http://schemas.openxmlformats.org/drawingml/2006/main" xmlns:r="http://schemas.openxmlformats.org/officeDocument/2006/relationships" xmlns:p="http://schemas.openxmlformats.org/presentationml/2006/main">
   <p:cSld>
     <p:spTree>

--- a/Presentation ASPNET - Part III.pptx
+++ b/Presentation ASPNET - Part III.pptx
@@ -5,10 +5,10 @@
     <p:sldMasterId id="2147483648" r:id="rId1"/>
   </p:sldMasterIdLst>
   <p:notesMasterIdLst>
-    <p:notesMasterId r:id="rId34"/>
+    <p:notesMasterId r:id="rId36"/>
   </p:notesMasterIdLst>
   <p:handoutMasterIdLst>
-    <p:handoutMasterId r:id="rId35"/>
+    <p:handoutMasterId r:id="rId37"/>
   </p:handoutMasterIdLst>
   <p:sldIdLst>
     <p:sldId id="493" r:id="rId2"/>
@@ -40,9 +40,11 @@
     <p:sldId id="824" r:id="rId28"/>
     <p:sldId id="825" r:id="rId29"/>
     <p:sldId id="818" r:id="rId30"/>
-    <p:sldId id="790" r:id="rId31"/>
-    <p:sldId id="729" r:id="rId32"/>
-    <p:sldId id="827" r:id="rId33"/>
+    <p:sldId id="835" r:id="rId31"/>
+    <p:sldId id="790" r:id="rId32"/>
+    <p:sldId id="836" r:id="rId33"/>
+    <p:sldId id="729" r:id="rId34"/>
+    <p:sldId id="827" r:id="rId35"/>
   </p:sldIdLst>
   <p:sldSz cx="12192000" cy="6858000"/>
   <p:notesSz cx="9928225" cy="6797675"/>
@@ -195,7 +197,9 @@
         <p14:section name="Security – Other recommendations" id="{1AE92897-8E8C-4C87-AB55-D15B46B8C9BD}">
           <p14:sldIdLst>
             <p14:sldId id="818"/>
+            <p14:sldId id="835"/>
             <p14:sldId id="790"/>
+            <p14:sldId id="836"/>
           </p14:sldIdLst>
         </p14:section>
         <p14:section name="Thank you" id="{92E11870-417B-43C0-9450-C5636335B098}">
@@ -309,7 +313,7 @@
           <a:p>
             <a:fld id="{CD54E0B9-A397-428E-BA01-CD7A34B572EB}" type="datetimeFigureOut">
               <a:rPr lang="en-US" smtClean="0"/>
-              <a:t>2/24/2023</a:t>
+              <a:t>2/26/2023</a:t>
             </a:fld>
             <a:endParaRPr lang="en-US"/>
           </a:p>
@@ -474,7 +478,7 @@
           <a:p>
             <a:fld id="{AA161301-18C9-4CA0-A0BF-791B6E0DDD4D}" type="datetimeFigureOut">
               <a:rPr lang="en-GB" smtClean="0"/>
-              <a:t>24/02/2023</a:t>
+              <a:t>26/02/2023</a:t>
             </a:fld>
             <a:endParaRPr lang="en-GB"/>
           </a:p>
@@ -17602,7 +17606,41 @@
       </p:grpSpPr>
       <p:sp>
         <p:nvSpPr>
-          <p:cNvPr id="2" name="Title 1"/>
+          <p:cNvPr id="2" name="Content Placeholder 1">
+            <a:extLst>
+              <a:ext uri="{FF2B5EF4-FFF2-40B4-BE49-F238E27FC236}">
+                <a16:creationId xmlns:a16="http://schemas.microsoft.com/office/drawing/2014/main" id="{C5814789-9DE4-780A-7B72-48752BC843C2}"/>
+              </a:ext>
+            </a:extLst>
+          </p:cNvPr>
+          <p:cNvSpPr>
+            <a:spLocks noGrp="1"/>
+          </p:cNvSpPr>
+          <p:nvPr>
+            <p:ph idx="1"/>
+          </p:nvPr>
+        </p:nvSpPr>
+        <p:spPr/>
+        <p:txBody>
+          <a:bodyPr/>
+          <a:lstStyle/>
+          <a:p>
+            <a:r>
+              <a:rPr lang="ro-RO" dirty="0"/>
+              <a:t>https://learn.microsoft.com/en-us/aspnet/core/security/key-vault-configuration</a:t>
+            </a:r>
+          </a:p>
+        </p:txBody>
+      </p:sp>
+      <p:sp>
+        <p:nvSpPr>
+          <p:cNvPr id="3" name="Title 2">
+            <a:extLst>
+              <a:ext uri="{FF2B5EF4-FFF2-40B4-BE49-F238E27FC236}">
+                <a16:creationId xmlns:a16="http://schemas.microsoft.com/office/drawing/2014/main" id="{8A29587E-BF89-6E84-2693-335CDAB7FB0C}"/>
+              </a:ext>
+            </a:extLst>
+          </p:cNvPr>
           <p:cNvSpPr>
             <a:spLocks noGrp="1"/>
           </p:cNvSpPr>
@@ -17617,99 +17655,7 @@
           <a:p>
             <a:r>
               <a:rPr lang="en-US" dirty="0"/>
-              <a:t>General recommendations</a:t>
-            </a:r>
-            <a:endParaRPr lang="ro-RO" dirty="0"/>
-          </a:p>
-        </p:txBody>
-      </p:sp>
-      <p:sp>
-        <p:nvSpPr>
-          <p:cNvPr id="3" name="Content Placeholder 2"/>
-          <p:cNvSpPr>
-            <a:spLocks noGrp="1"/>
-          </p:cNvSpPr>
-          <p:nvPr>
-            <p:ph idx="1"/>
-          </p:nvPr>
-        </p:nvSpPr>
-        <p:spPr/>
-        <p:txBody>
-          <a:bodyPr/>
-          <a:lstStyle/>
-          <a:p>
-            <a:pPr>
-              <a:buFont typeface="Wingdings" pitchFamily="2" charset="2"/>
-              <a:buChar char="§"/>
-            </a:pPr>
-            <a:r>
-              <a:rPr lang="en-US" dirty="0"/>
-              <a:t>Only </a:t>
-            </a:r>
-            <a:r>
-              <a:rPr lang="en-US" b="1" dirty="0"/>
-              <a:t>Action</a:t>
-            </a:r>
-            <a:r>
-              <a:rPr lang="en-US" dirty="0"/>
-              <a:t> methods should be </a:t>
-            </a:r>
-            <a:r>
-              <a:rPr lang="en-US" b="1" dirty="0"/>
-              <a:t>public</a:t>
-            </a:r>
-            <a:r>
-              <a:rPr lang="en-US" dirty="0"/>
-              <a:t> in </a:t>
-            </a:r>
-            <a:r>
-              <a:rPr lang="en-US" b="1" dirty="0"/>
-              <a:t>controller</a:t>
-            </a:r>
-            <a:r>
-              <a:rPr lang="en-US" dirty="0"/>
-              <a:t> classes. The </a:t>
-            </a:r>
-            <a:r>
-              <a:rPr lang="en-US" b="1" dirty="0"/>
-              <a:t>[</a:t>
-            </a:r>
-            <a:r>
-              <a:rPr lang="en-US" b="1" dirty="0" err="1"/>
-              <a:t>NonAction</a:t>
-            </a:r>
-            <a:r>
-              <a:rPr lang="en-US" b="1" dirty="0"/>
-              <a:t>] </a:t>
-            </a:r>
-            <a:r>
-              <a:rPr lang="en-US" dirty="0"/>
-              <a:t>attribute can also be used to hide public methods.</a:t>
-            </a:r>
-          </a:p>
-          <a:p>
-            <a:pPr>
-              <a:buFont typeface="Wingdings" pitchFamily="2" charset="2"/>
-              <a:buChar char="§"/>
-            </a:pPr>
-            <a:endParaRPr lang="en-US" dirty="0"/>
-          </a:p>
-          <a:p>
-            <a:pPr>
-              <a:buFont typeface="Wingdings" pitchFamily="2" charset="2"/>
-              <a:buChar char="§"/>
-            </a:pPr>
-            <a:r>
-              <a:rPr lang="en-US" dirty="0"/>
-              <a:t>Implicit </a:t>
-            </a:r>
-            <a:r>
-              <a:rPr lang="en-US" b="1" dirty="0"/>
-              <a:t>model binding </a:t>
-            </a:r>
-            <a:r>
-              <a:rPr lang="en-US" dirty="0"/>
-              <a:t>can be used by attackers to modify unintended data.</a:t>
+              <a:t>Secrets storage</a:t>
             </a:r>
             <a:endParaRPr lang="ro-RO" dirty="0"/>
           </a:p>
@@ -17718,7 +17664,7 @@
     </p:spTree>
     <p:extLst>
       <p:ext uri="{BB962C8B-B14F-4D97-AF65-F5344CB8AC3E}">
-        <p14:creationId xmlns:p14="http://schemas.microsoft.com/office/powerpoint/2010/main" val="1891420182"/>
+        <p14:creationId xmlns:p14="http://schemas.microsoft.com/office/powerpoint/2010/main" val="1156671095"/>
       </p:ext>
     </p:extLst>
   </p:cSld>
@@ -17759,6 +17705,278 @@
       </p:grpSpPr>
       <p:sp>
         <p:nvSpPr>
+          <p:cNvPr id="2" name="Title 1"/>
+          <p:cNvSpPr>
+            <a:spLocks noGrp="1"/>
+          </p:cNvSpPr>
+          <p:nvPr>
+            <p:ph type="title"/>
+          </p:nvPr>
+        </p:nvSpPr>
+        <p:spPr/>
+        <p:txBody>
+          <a:bodyPr/>
+          <a:lstStyle/>
+          <a:p>
+            <a:r>
+              <a:rPr lang="en-US" dirty="0"/>
+              <a:t>General recommendations</a:t>
+            </a:r>
+            <a:endParaRPr lang="ro-RO" dirty="0"/>
+          </a:p>
+        </p:txBody>
+      </p:sp>
+      <p:sp>
+        <p:nvSpPr>
+          <p:cNvPr id="3" name="Content Placeholder 2"/>
+          <p:cNvSpPr>
+            <a:spLocks noGrp="1"/>
+          </p:cNvSpPr>
+          <p:nvPr>
+            <p:ph idx="1"/>
+          </p:nvPr>
+        </p:nvSpPr>
+        <p:spPr/>
+        <p:txBody>
+          <a:bodyPr/>
+          <a:lstStyle/>
+          <a:p>
+            <a:pPr>
+              <a:buFont typeface="Wingdings" pitchFamily="2" charset="2"/>
+              <a:buChar char="§"/>
+            </a:pPr>
+            <a:r>
+              <a:rPr lang="en-US" dirty="0"/>
+              <a:t>Only </a:t>
+            </a:r>
+            <a:r>
+              <a:rPr lang="en-US" b="1" dirty="0"/>
+              <a:t>Action</a:t>
+            </a:r>
+            <a:r>
+              <a:rPr lang="en-US" dirty="0"/>
+              <a:t> methods should be </a:t>
+            </a:r>
+            <a:r>
+              <a:rPr lang="en-US" b="1" dirty="0"/>
+              <a:t>public</a:t>
+            </a:r>
+            <a:r>
+              <a:rPr lang="en-US" dirty="0"/>
+              <a:t> in </a:t>
+            </a:r>
+            <a:r>
+              <a:rPr lang="en-US" b="1" dirty="0"/>
+              <a:t>controller</a:t>
+            </a:r>
+            <a:r>
+              <a:rPr lang="en-US" dirty="0"/>
+              <a:t> classes. The </a:t>
+            </a:r>
+            <a:r>
+              <a:rPr lang="en-US" b="1" dirty="0"/>
+              <a:t>[</a:t>
+            </a:r>
+            <a:r>
+              <a:rPr lang="en-US" b="1" dirty="0" err="1"/>
+              <a:t>NonAction</a:t>
+            </a:r>
+            <a:r>
+              <a:rPr lang="en-US" b="1" dirty="0"/>
+              <a:t>] </a:t>
+            </a:r>
+            <a:r>
+              <a:rPr lang="en-US" dirty="0"/>
+              <a:t>attribute can also be used to hide public methods.</a:t>
+            </a:r>
+          </a:p>
+          <a:p>
+            <a:pPr>
+              <a:buFont typeface="Wingdings" pitchFamily="2" charset="2"/>
+              <a:buChar char="§"/>
+            </a:pPr>
+            <a:endParaRPr lang="en-US" dirty="0"/>
+          </a:p>
+          <a:p>
+            <a:pPr>
+              <a:buFont typeface="Wingdings" pitchFamily="2" charset="2"/>
+              <a:buChar char="§"/>
+            </a:pPr>
+            <a:r>
+              <a:rPr lang="en-US" dirty="0"/>
+              <a:t>Implicit </a:t>
+            </a:r>
+            <a:r>
+              <a:rPr lang="en-US" b="1" dirty="0"/>
+              <a:t>model binding </a:t>
+            </a:r>
+            <a:r>
+              <a:rPr lang="en-US" dirty="0"/>
+              <a:t>can be used by attackers to modify unintended data.</a:t>
+            </a:r>
+            <a:endParaRPr lang="ro-RO" dirty="0"/>
+          </a:p>
+        </p:txBody>
+      </p:sp>
+    </p:spTree>
+    <p:extLst>
+      <p:ext uri="{BB962C8B-B14F-4D97-AF65-F5344CB8AC3E}">
+        <p14:creationId xmlns:p14="http://schemas.microsoft.com/office/powerpoint/2010/main" val="1891420182"/>
+      </p:ext>
+    </p:extLst>
+  </p:cSld>
+  <p:clrMapOvr>
+    <a:masterClrMapping/>
+  </p:clrMapOvr>
+  <mc:AlternateContent xmlns:mc="http://schemas.openxmlformats.org/markup-compatibility/2006" xmlns:p14="http://schemas.microsoft.com/office/powerpoint/2010/main">
+    <mc:Choice Requires="p14">
+      <p:transition spd="med" p14:dur="700">
+        <p:fade/>
+      </p:transition>
+    </mc:Choice>
+    <mc:Fallback xmlns="">
+      <p:transition spd="med">
+        <p:fade/>
+      </p:transition>
+    </mc:Fallback>
+  </mc:AlternateContent>
+</p:sld>
+</file>
+
+<file path=ppt/slides/slide32.xml><?xml version="1.0" encoding="utf-8"?>
+<p:sld xmlns:a="http://schemas.openxmlformats.org/drawingml/2006/main" xmlns:r="http://schemas.openxmlformats.org/officeDocument/2006/relationships" xmlns:p="http://schemas.openxmlformats.org/presentationml/2006/main">
+  <p:cSld>
+    <p:spTree>
+      <p:nvGrpSpPr>
+        <p:cNvPr id="1" name=""/>
+        <p:cNvGrpSpPr/>
+        <p:nvPr/>
+      </p:nvGrpSpPr>
+      <p:grpSpPr>
+        <a:xfrm>
+          <a:off x="0" y="0"/>
+          <a:ext cx="0" cy="0"/>
+          <a:chOff x="0" y="0"/>
+          <a:chExt cx="0" cy="0"/>
+        </a:xfrm>
+      </p:grpSpPr>
+      <p:sp>
+        <p:nvSpPr>
+          <p:cNvPr id="2" name="Content Placeholder 1">
+            <a:extLst>
+              <a:ext uri="{FF2B5EF4-FFF2-40B4-BE49-F238E27FC236}">
+                <a16:creationId xmlns:a16="http://schemas.microsoft.com/office/drawing/2014/main" id="{FE66EDE7-C397-D54C-A3A4-7B3EC41C8F13}"/>
+              </a:ext>
+            </a:extLst>
+          </p:cNvPr>
+          <p:cNvSpPr>
+            <a:spLocks noGrp="1"/>
+          </p:cNvSpPr>
+          <p:nvPr>
+            <p:ph idx="1"/>
+          </p:nvPr>
+        </p:nvSpPr>
+        <p:spPr/>
+        <p:txBody>
+          <a:bodyPr/>
+          <a:lstStyle/>
+          <a:p>
+            <a:r>
+              <a:rPr lang="ro-RO" dirty="0"/>
+              <a:t>https://learn.microsoft.com/en-us/aspnet/core/security/</a:t>
+            </a:r>
+            <a:endParaRPr lang="en-US" dirty="0"/>
+          </a:p>
+          <a:p>
+            <a:endParaRPr lang="en-US" dirty="0"/>
+          </a:p>
+          <a:p>
+            <a:endParaRPr lang="en-US" dirty="0"/>
+          </a:p>
+          <a:p>
+            <a:endParaRPr lang="en-US" dirty="0"/>
+          </a:p>
+          <a:p>
+            <a:r>
+              <a:rPr lang="ro-RO" dirty="0"/>
+              <a:t>https://owasp.org/www-project-top-ten/</a:t>
+            </a:r>
+          </a:p>
+        </p:txBody>
+      </p:sp>
+      <p:sp>
+        <p:nvSpPr>
+          <p:cNvPr id="3" name="Title 2">
+            <a:extLst>
+              <a:ext uri="{FF2B5EF4-FFF2-40B4-BE49-F238E27FC236}">
+                <a16:creationId xmlns:a16="http://schemas.microsoft.com/office/drawing/2014/main" id="{9D5520BD-A415-4576-F99F-711CECDA66A5}"/>
+              </a:ext>
+            </a:extLst>
+          </p:cNvPr>
+          <p:cNvSpPr>
+            <a:spLocks noGrp="1"/>
+          </p:cNvSpPr>
+          <p:nvPr>
+            <p:ph type="title"/>
+          </p:nvPr>
+        </p:nvSpPr>
+        <p:spPr/>
+        <p:txBody>
+          <a:bodyPr/>
+          <a:lstStyle/>
+          <a:p>
+            <a:r>
+              <a:rPr lang="en-US" dirty="0"/>
+              <a:t>Other recommendations</a:t>
+            </a:r>
+            <a:endParaRPr lang="ro-RO" dirty="0"/>
+          </a:p>
+        </p:txBody>
+      </p:sp>
+    </p:spTree>
+    <p:extLst>
+      <p:ext uri="{BB962C8B-B14F-4D97-AF65-F5344CB8AC3E}">
+        <p14:creationId xmlns:p14="http://schemas.microsoft.com/office/powerpoint/2010/main" val="2834329965"/>
+      </p:ext>
+    </p:extLst>
+  </p:cSld>
+  <p:clrMapOvr>
+    <a:masterClrMapping/>
+  </p:clrMapOvr>
+  <mc:AlternateContent xmlns:mc="http://schemas.openxmlformats.org/markup-compatibility/2006" xmlns:p14="http://schemas.microsoft.com/office/powerpoint/2010/main">
+    <mc:Choice Requires="p14">
+      <p:transition spd="med" p14:dur="700">
+        <p:fade/>
+      </p:transition>
+    </mc:Choice>
+    <mc:Fallback xmlns="">
+      <p:transition spd="med">
+        <p:fade/>
+      </p:transition>
+    </mc:Fallback>
+  </mc:AlternateContent>
+</p:sld>
+</file>
+
+<file path=ppt/slides/slide33.xml><?xml version="1.0" encoding="utf-8"?>
+<p:sld xmlns:a="http://schemas.openxmlformats.org/drawingml/2006/main" xmlns:r="http://schemas.openxmlformats.org/officeDocument/2006/relationships" xmlns:p="http://schemas.openxmlformats.org/presentationml/2006/main">
+  <p:cSld>
+    <p:spTree>
+      <p:nvGrpSpPr>
+        <p:cNvPr id="1" name=""/>
+        <p:cNvGrpSpPr/>
+        <p:nvPr/>
+      </p:nvGrpSpPr>
+      <p:grpSpPr>
+        <a:xfrm>
+          <a:off x="0" y="0"/>
+          <a:ext cx="0" cy="0"/>
+          <a:chOff x="0" y="0"/>
+          <a:chExt cx="0" cy="0"/>
+        </a:xfrm>
+      </p:grpSpPr>
+      <p:sp>
+        <p:nvSpPr>
           <p:cNvPr id="4" name="Title 3"/>
           <p:cNvSpPr>
             <a:spLocks noGrp="1"/>
@@ -17804,7 +18022,7 @@
 </p:sld>
 </file>
 
-<file path=ppt/slides/slide32.xml><?xml version="1.0" encoding="utf-8"?>
+<file path=ppt/slides/slide34.xml><?xml version="1.0" encoding="utf-8"?>
 <p:sld xmlns:a="http://schemas.openxmlformats.org/drawingml/2006/main" xmlns:r="http://schemas.openxmlformats.org/officeDocument/2006/relationships" xmlns:p="http://schemas.openxmlformats.org/presentationml/2006/main">
   <p:cSld>
     <p:spTree>

--- a/Presentation ASPNET - Part III.pptx
+++ b/Presentation ASPNET - Part III.pptx
@@ -1193,6 +1193,90 @@
     <p:extLst>
       <p:ext uri="{BB962C8B-B14F-4D97-AF65-F5344CB8AC3E}">
         <p14:creationId xmlns:p14="http://schemas.microsoft.com/office/powerpoint/2010/main" val="3808640853"/>
+      </p:ext>
+    </p:extLst>
+  </p:cSld>
+  <p:clrMapOvr>
+    <a:masterClrMapping/>
+  </p:clrMapOvr>
+</p:notes>
+</file>
+
+<file path=ppt/notesSlides/notesSlide14.xml><?xml version="1.0" encoding="utf-8"?>
+<p:notes xmlns:a="http://schemas.openxmlformats.org/drawingml/2006/main" xmlns:r="http://schemas.openxmlformats.org/officeDocument/2006/relationships" xmlns:p="http://schemas.openxmlformats.org/presentationml/2006/main">
+  <p:cSld>
+    <p:spTree>
+      <p:nvGrpSpPr>
+        <p:cNvPr id="1" name=""/>
+        <p:cNvGrpSpPr/>
+        <p:nvPr/>
+      </p:nvGrpSpPr>
+      <p:grpSpPr>
+        <a:xfrm>
+          <a:off x="0" y="0"/>
+          <a:ext cx="0" cy="0"/>
+          <a:chOff x="0" y="0"/>
+          <a:chExt cx="0" cy="0"/>
+        </a:xfrm>
+      </p:grpSpPr>
+      <p:sp>
+        <p:nvSpPr>
+          <p:cNvPr id="2" name="Slide Image Placeholder 1"/>
+          <p:cNvSpPr>
+            <a:spLocks noGrp="1" noRot="1" noChangeAspect="1"/>
+          </p:cNvSpPr>
+          <p:nvPr>
+            <p:ph type="sldImg"/>
+          </p:nvPr>
+        </p:nvSpPr>
+        <p:spPr/>
+      </p:sp>
+      <p:sp>
+        <p:nvSpPr>
+          <p:cNvPr id="3" name="Notes Placeholder 2"/>
+          <p:cNvSpPr>
+            <a:spLocks noGrp="1"/>
+          </p:cNvSpPr>
+          <p:nvPr>
+            <p:ph type="body" idx="1"/>
+          </p:nvPr>
+        </p:nvSpPr>
+        <p:spPr/>
+        <p:txBody>
+          <a:bodyPr/>
+          <a:lstStyle/>
+          <a:p>
+            <a:endParaRPr lang="ro-RO" dirty="0"/>
+          </a:p>
+        </p:txBody>
+      </p:sp>
+      <p:sp>
+        <p:nvSpPr>
+          <p:cNvPr id="4" name="Slide Number Placeholder 3"/>
+          <p:cNvSpPr>
+            <a:spLocks noGrp="1"/>
+          </p:cNvSpPr>
+          <p:nvPr>
+            <p:ph type="sldNum" sz="quarter" idx="5"/>
+          </p:nvPr>
+        </p:nvSpPr>
+        <p:spPr/>
+        <p:txBody>
+          <a:bodyPr/>
+          <a:lstStyle/>
+          <a:p>
+            <a:fld id="{0BF20BA8-12AF-476D-99B2-894C09A4EE62}" type="slidenum">
+              <a:rPr lang="en-GB" smtClean="0"/>
+              <a:t>30</a:t>
+            </a:fld>
+            <a:endParaRPr lang="en-GB"/>
+          </a:p>
+        </p:txBody>
+      </p:sp>
+    </p:spTree>
+    <p:extLst>
+      <p:ext uri="{BB962C8B-B14F-4D97-AF65-F5344CB8AC3E}">
+        <p14:creationId xmlns:p14="http://schemas.microsoft.com/office/powerpoint/2010/main" val="2804533756"/>
       </p:ext>
     </p:extLst>
   </p:cSld>
@@ -17622,9 +17706,60 @@
         </p:nvSpPr>
         <p:spPr/>
         <p:txBody>
-          <a:bodyPr/>
+          <a:bodyPr anchor="ctr"/>
           <a:lstStyle/>
           <a:p>
+            <a:r>
+              <a:rPr lang="en-US" dirty="0"/>
+              <a:t>Don’t store secrets:</a:t>
+            </a:r>
+          </a:p>
+          <a:p>
+            <a:pPr marL="597150" lvl="1" indent="-342900">
+              <a:buFont typeface="Wingdings" panose="05000000000000000000" pitchFamily="2" charset="2"/>
+              <a:buChar char="§"/>
+            </a:pPr>
+            <a:r>
+              <a:rPr lang="en-US" dirty="0"/>
+              <a:t>In the application source code (it can be easily decompiled);</a:t>
+            </a:r>
+          </a:p>
+          <a:p>
+            <a:pPr marL="597150" lvl="1" indent="-342900">
+              <a:buFont typeface="Wingdings" panose="05000000000000000000" pitchFamily="2" charset="2"/>
+              <a:buChar char="§"/>
+            </a:pPr>
+            <a:r>
+              <a:rPr lang="en-US" dirty="0"/>
+              <a:t>In “</a:t>
+            </a:r>
+            <a:r>
+              <a:rPr lang="en-US" dirty="0" err="1"/>
+              <a:t>appsettings.json</a:t>
+            </a:r>
+            <a:r>
+              <a:rPr lang="en-US" dirty="0"/>
+              <a:t>”;</a:t>
+            </a:r>
+          </a:p>
+          <a:p>
+            <a:pPr marL="597150" lvl="1" indent="-342900">
+              <a:buFont typeface="Wingdings" panose="05000000000000000000" pitchFamily="2" charset="2"/>
+              <a:buChar char="§"/>
+            </a:pPr>
+            <a:endParaRPr lang="en-US" dirty="0"/>
+          </a:p>
+          <a:p>
+            <a:r>
+              <a:rPr lang="en-US" dirty="0"/>
+              <a:t>How to store secrets:</a:t>
+            </a:r>
+          </a:p>
+          <a:p>
+            <a:pPr marL="597150" lvl="1" indent="-342900">
+              <a:buFont typeface="Wingdings" panose="05000000000000000000" pitchFamily="2" charset="2"/>
+              <a:buChar char="§"/>
+            </a:pPr>
             <a:r>
               <a:rPr lang="ro-RO" dirty="0"/>
               <a:t>https://learn.microsoft.com/en-us/aspnet/core/security/key-vault-configuration</a:t>

--- a/Presentation ASPNET - Part III.pptx
+++ b/Presentation ASPNET - Part III.pptx
@@ -313,7 +313,7 @@
           <a:p>
             <a:fld id="{CD54E0B9-A397-428E-BA01-CD7A34B572EB}" type="datetimeFigureOut">
               <a:rPr lang="en-US" smtClean="0"/>
-              <a:t>2/26/2023</a:t>
+              <a:t>5/14/2023</a:t>
             </a:fld>
             <a:endParaRPr lang="en-US"/>
           </a:p>
@@ -478,7 +478,7 @@
           <a:p>
             <a:fld id="{AA161301-18C9-4CA0-A0BF-791B6E0DDD4D}" type="datetimeFigureOut">
               <a:rPr lang="en-GB" smtClean="0"/>
-              <a:t>26/02/2023</a:t>
+              <a:t>14/05/2023</a:t>
             </a:fld>
             <a:endParaRPr lang="en-GB"/>
           </a:p>
@@ -18013,9 +18013,13 @@
         </p:nvSpPr>
         <p:spPr/>
         <p:txBody>
-          <a:bodyPr/>
+          <a:bodyPr anchor="ctr"/>
           <a:lstStyle/>
           <a:p>
+            <a:pPr marL="342900" indent="-342900">
+              <a:buFont typeface="Wingdings" panose="05000000000000000000" pitchFamily="2" charset="2"/>
+              <a:buChar char="§"/>
+            </a:pPr>
             <a:r>
               <a:rPr lang="ro-RO" dirty="0"/>
               <a:t>https://learn.microsoft.com/en-us/aspnet/core/security/</a:t>
@@ -18026,15 +18030,17 @@
             <a:endParaRPr lang="en-US" dirty="0"/>
           </a:p>
           <a:p>
-            <a:endParaRPr lang="en-US" dirty="0"/>
-          </a:p>
-          <a:p>
-            <a:endParaRPr lang="en-US" dirty="0"/>
-          </a:p>
-          <a:p>
+            <a:pPr marL="342900" indent="-342900">
+              <a:buFont typeface="Wingdings" panose="05000000000000000000" pitchFamily="2" charset="2"/>
+              <a:buChar char="§"/>
+            </a:pPr>
+            <a:r>
+              <a:rPr lang="ro-RO"/>
+              <a:t>https</a:t>
+            </a:r>
             <a:r>
               <a:rPr lang="ro-RO" dirty="0"/>
-              <a:t>https://owasp.org/www-project-top-ten/</a:t>
+              <a:t>://owasp.org/www-project-top-ten/</a:t>
             </a:r>
           </a:p>
         </p:txBody>

--- a/Presentation ASPNET - Part III.pptx
+++ b/Presentation ASPNET - Part III.pptx
@@ -313,7 +313,7 @@
           <a:p>
             <a:fld id="{CD54E0B9-A397-428E-BA01-CD7A34B572EB}" type="datetimeFigureOut">
               <a:rPr lang="en-US" smtClean="0"/>
-              <a:t>2/26/2023</a:t>
+              <a:t>2/24/2024</a:t>
             </a:fld>
             <a:endParaRPr lang="en-US"/>
           </a:p>
@@ -478,7 +478,7 @@
           <a:p>
             <a:fld id="{AA161301-18C9-4CA0-A0BF-791B6E0DDD4D}" type="datetimeFigureOut">
               <a:rPr lang="en-GB" smtClean="0"/>
-              <a:t>26/02/2023</a:t>
+              <a:t>24/02/2024</a:t>
             </a:fld>
             <a:endParaRPr lang="en-GB"/>
           </a:p>
@@ -13468,7 +13468,7 @@
             </a:pPr>
             <a:r>
               <a:rPr lang="en-US" dirty="0"/>
-              <a:t>Logging off of web sites when they have finished using them</a:t>
+              <a:t>Logging off web sites when they have finished using them</a:t>
             </a:r>
           </a:p>
           <a:p>
@@ -13604,7 +13604,23 @@
             </a:pPr>
             <a:r>
               <a:rPr lang="en-US" dirty="0"/>
-              <a:t>The most common approach to defending against CSRF attacks is the synchronizer token pattern (STP). </a:t>
+              <a:t>The most common approach to defending against CSRF attacks is </a:t>
+            </a:r>
+            <a:r>
+              <a:rPr lang="en-US"/>
+              <a:t>the Synchronizer Token </a:t>
+            </a:r>
+            <a:r>
+              <a:rPr lang="en-US" dirty="0"/>
+              <a:t>P</a:t>
+            </a:r>
+            <a:r>
+              <a:rPr lang="en-US"/>
+              <a:t>attern </a:t>
+            </a:r>
+            <a:r>
+              <a:rPr lang="en-US" dirty="0"/>
+              <a:t>(STP). </a:t>
             </a:r>
           </a:p>
           <a:p>

--- a/Presentation ASPNET - Part III.pptx
+++ b/Presentation ASPNET - Part III.pptx
@@ -313,7 +313,7 @@
           <a:p>
             <a:fld id="{CD54E0B9-A397-428E-BA01-CD7A34B572EB}" type="datetimeFigureOut">
               <a:rPr lang="en-US" smtClean="0"/>
-              <a:t>2/24/2024</a:t>
+              <a:t>3/1/2025</a:t>
             </a:fld>
             <a:endParaRPr lang="en-US"/>
           </a:p>
@@ -478,7 +478,7 @@
           <a:p>
             <a:fld id="{AA161301-18C9-4CA0-A0BF-791B6E0DDD4D}" type="datetimeFigureOut">
               <a:rPr lang="en-GB" smtClean="0"/>
-              <a:t>24/02/2024</a:t>
+              <a:t>01/03/2025</a:t>
             </a:fld>
             <a:endParaRPr lang="en-GB"/>
           </a:p>
@@ -18483,94 +18483,6 @@
       </p:sp>
       <p:sp>
         <p:nvSpPr>
-          <p:cNvPr id="3" name="Content Placeholder 2"/>
-          <p:cNvSpPr>
-            <a:spLocks noGrp="1"/>
-          </p:cNvSpPr>
-          <p:nvPr>
-            <p:ph idx="1"/>
-          </p:nvPr>
-        </p:nvSpPr>
-        <p:spPr>
-          <a:xfrm>
-            <a:off x="767408" y="1340768"/>
-            <a:ext cx="6192688" cy="4813995"/>
-          </a:xfrm>
-        </p:spPr>
-        <p:txBody>
-          <a:bodyPr/>
-          <a:lstStyle/>
-          <a:p>
-            <a:pPr marL="342900" indent="-342900">
-              <a:buFont typeface="Wingdings" panose="05000000000000000000" pitchFamily="2" charset="2"/>
-              <a:buChar char="§"/>
-            </a:pPr>
-            <a:r>
-              <a:rPr lang="en-US" b="1" dirty="0"/>
-              <a:t>ASP.NET Core Succinctly </a:t>
-            </a:r>
-            <a:r>
-              <a:rPr lang="en-US" b="1" dirty="0">
-                <a:solidFill>
-                  <a:schemeClr val="accent6"/>
-                </a:solidFill>
-              </a:rPr>
-              <a:t>(Free)</a:t>
-            </a:r>
-          </a:p>
-          <a:p>
-            <a:pPr marL="597150" lvl="1" indent="-342900" algn="just">
-              <a:buFont typeface="Wingdings" panose="05000000000000000000" pitchFamily="2" charset="2"/>
-              <a:buChar char="§"/>
-            </a:pPr>
-            <a:r>
-              <a:rPr lang="it-IT" dirty="0"/>
-              <a:t>Simone Chiaretta and Ugo Lattanzi</a:t>
-            </a:r>
-          </a:p>
-          <a:p>
-            <a:pPr marL="597150" lvl="1" indent="-342900" algn="just">
-              <a:buFont typeface="Wingdings" panose="05000000000000000000" pitchFamily="2" charset="2"/>
-              <a:buChar char="§"/>
-            </a:pPr>
-            <a:r>
-              <a:rPr lang="en-US" dirty="0"/>
-              <a:t>In ASP.NET Core Succinctly, seasoned authors Simone </a:t>
-            </a:r>
-            <a:r>
-              <a:rPr lang="en-US" dirty="0" err="1"/>
-              <a:t>Chiaretta</a:t>
-            </a:r>
-            <a:r>
-              <a:rPr lang="en-US" dirty="0"/>
-              <a:t> and Ugo </a:t>
-            </a:r>
-            <a:r>
-              <a:rPr lang="en-US" dirty="0" err="1"/>
-              <a:t>Lattanzi</a:t>
-            </a:r>
-            <a:r>
-              <a:rPr lang="en-US" dirty="0"/>
-              <a:t> update you on all the advances provided by Microsoft’s landmark framework.</a:t>
-            </a:r>
-          </a:p>
-          <a:p>
-            <a:pPr marL="597150" lvl="1" indent="-342900" algn="just">
-              <a:buFont typeface="Wingdings" panose="05000000000000000000" pitchFamily="2" charset="2"/>
-              <a:buChar char="§"/>
-            </a:pPr>
-            <a:r>
-              <a:rPr lang="en-US" dirty="0">
-                <a:hlinkClick r:id="rId2"/>
-              </a:rPr>
-              <a:t>https://www.syncfusion.com/resources/techportal/details/ebooks/ASP_NET_Core_Succinctly</a:t>
-            </a:r>
-            <a:endParaRPr lang="en-US" dirty="0"/>
-          </a:p>
-        </p:txBody>
-      </p:sp>
-      <p:sp>
-        <p:nvSpPr>
           <p:cNvPr id="4" name="Text Placeholder 3"/>
           <p:cNvSpPr>
             <a:spLocks noGrp="1"/>
@@ -18591,66 +18503,316 @@
           </a:p>
         </p:txBody>
       </p:sp>
-      <p:pic>
-        <p:nvPicPr>
-          <p:cNvPr id="6" name="Picture 5" descr="A picture containing text&#10;&#10;Description generated with high confidence"/>
-          <p:cNvPicPr>
-            <a:picLocks noChangeAspect="1"/>
-          </p:cNvPicPr>
-          <p:nvPr/>
-        </p:nvPicPr>
-        <p:blipFill>
-          <a:blip r:embed="rId3" cstate="print">
+      <p:sp>
+        <p:nvSpPr>
+          <p:cNvPr id="5" name="Content Placeholder 2">
             <a:extLst>
-              <a:ext uri="{28A0092B-C50C-407E-A947-70E740481C1C}">
-                <a14:useLocalDpi xmlns:a14="http://schemas.microsoft.com/office/drawing/2010/main" val="0"/>
+              <a:ext uri="{FF2B5EF4-FFF2-40B4-BE49-F238E27FC236}">
+                <a16:creationId xmlns:a16="http://schemas.microsoft.com/office/drawing/2014/main" id="{1B7800C0-49F5-16B0-FAC1-DA596B50BBBC}"/>
               </a:ext>
             </a:extLst>
-          </a:blip>
-          <a:stretch>
-            <a:fillRect/>
-          </a:stretch>
-        </p:blipFill>
+          </p:cNvPr>
+          <p:cNvSpPr txBox="1">
+            <a:spLocks/>
+          </p:cNvSpPr>
+          <p:nvPr/>
+        </p:nvSpPr>
         <p:spPr>
           <a:xfrm>
-            <a:off x="8328248" y="1340768"/>
-            <a:ext cx="2976364" cy="4251949"/>
+            <a:off x="767407" y="1340768"/>
+            <a:ext cx="7483507" cy="4813995"/>
           </a:xfrm>
           <a:prstGeom prst="rect">
             <a:avLst/>
           </a:prstGeom>
         </p:spPr>
-      </p:pic>
-      <p:pic>
-        <p:nvPicPr>
-          <p:cNvPr id="8" name="Picture 7" descr="A picture containing screenshot&#10;&#10;Description generated with high confidence"/>
-          <p:cNvPicPr>
-            <a:picLocks noChangeAspect="1"/>
-          </p:cNvPicPr>
-          <p:nvPr/>
-        </p:nvPicPr>
-        <p:blipFill>
-          <a:blip r:embed="rId4">
+        <p:txBody>
+          <a:bodyPr anchor="ctr"/>
+          <a:lstStyle>
+            <a:lvl1pPr marL="0" indent="0" algn="l" defTabSz="914400" rtl="0" eaLnBrk="1" latinLnBrk="0" hangingPunct="1">
+              <a:spcBef>
+                <a:spcPct val="20000"/>
+              </a:spcBef>
+              <a:buClr>
+                <a:schemeClr val="tx1"/>
+              </a:buClr>
+              <a:buFontTx/>
+              <a:buNone/>
+              <a:defRPr sz="2400" kern="1200">
+                <a:solidFill>
+                  <a:schemeClr val="tx1"/>
+                </a:solidFill>
+                <a:latin typeface="Segoe UI Light" pitchFamily="34" charset="0"/>
+                <a:ea typeface="Segoe UI" pitchFamily="34" charset="0"/>
+                <a:cs typeface="Segoe UI" pitchFamily="34" charset="0"/>
+              </a:defRPr>
+            </a:lvl1pPr>
+            <a:lvl2pPr marL="254250" indent="0" algn="l" defTabSz="914400" rtl="0" eaLnBrk="1" latinLnBrk="0" hangingPunct="1">
+              <a:spcBef>
+                <a:spcPct val="20000"/>
+              </a:spcBef>
+              <a:buClr>
+                <a:schemeClr val="tx1"/>
+              </a:buClr>
+              <a:buFontTx/>
+              <a:buNone/>
+              <a:defRPr sz="2400" kern="1200">
+                <a:solidFill>
+                  <a:schemeClr val="tx1">
+                    <a:lumMod val="65000"/>
+                    <a:lumOff val="35000"/>
+                  </a:schemeClr>
+                </a:solidFill>
+                <a:latin typeface="Segoe UI Light" pitchFamily="34" charset="0"/>
+                <a:ea typeface="Segoe UI" pitchFamily="34" charset="0"/>
+                <a:cs typeface="Segoe UI" pitchFamily="34" charset="0"/>
+              </a:defRPr>
+            </a:lvl2pPr>
+            <a:lvl3pPr marL="491400" indent="0" algn="l" defTabSz="914400" rtl="0" eaLnBrk="1" latinLnBrk="0" hangingPunct="1">
+              <a:spcBef>
+                <a:spcPct val="20000"/>
+              </a:spcBef>
+              <a:buClr>
+                <a:schemeClr val="tx1"/>
+              </a:buClr>
+              <a:buFontTx/>
+              <a:buNone/>
+              <a:defRPr sz="2400" kern="1200">
+                <a:solidFill>
+                  <a:schemeClr val="bg1">
+                    <a:lumMod val="50000"/>
+                  </a:schemeClr>
+                </a:solidFill>
+                <a:latin typeface="Segoe UI Light" pitchFamily="34" charset="0"/>
+                <a:ea typeface="Segoe UI" pitchFamily="34" charset="0"/>
+                <a:cs typeface="Segoe UI" pitchFamily="34" charset="0"/>
+              </a:defRPr>
+            </a:lvl3pPr>
+            <a:lvl4pPr marL="1600200" indent="-228600" algn="l" defTabSz="914400" rtl="0" eaLnBrk="1" latinLnBrk="0" hangingPunct="1">
+              <a:spcBef>
+                <a:spcPct val="20000"/>
+              </a:spcBef>
+              <a:buFont typeface="Arial" pitchFamily="34" charset="0"/>
+              <a:buChar char="–"/>
+              <a:defRPr sz="2000" kern="1200">
+                <a:solidFill>
+                  <a:schemeClr val="bg1"/>
+                </a:solidFill>
+                <a:latin typeface="Segoe WP" pitchFamily="34" charset="0"/>
+                <a:ea typeface="Segoe UI" pitchFamily="34" charset="0"/>
+                <a:cs typeface="Segoe UI" pitchFamily="34" charset="0"/>
+              </a:defRPr>
+            </a:lvl4pPr>
+            <a:lvl5pPr marL="2057400" indent="-228600" algn="l" defTabSz="914400" rtl="0" eaLnBrk="1" latinLnBrk="0" hangingPunct="1">
+              <a:spcBef>
+                <a:spcPct val="20000"/>
+              </a:spcBef>
+              <a:buFont typeface="Arial" pitchFamily="34" charset="0"/>
+              <a:buChar char="»"/>
+              <a:defRPr sz="2000" kern="1200">
+                <a:solidFill>
+                  <a:schemeClr val="bg1"/>
+                </a:solidFill>
+                <a:latin typeface="Segoe WP" pitchFamily="34" charset="0"/>
+                <a:ea typeface="Segoe UI" pitchFamily="34" charset="0"/>
+                <a:cs typeface="Segoe UI" pitchFamily="34" charset="0"/>
+              </a:defRPr>
+            </a:lvl5pPr>
+            <a:lvl6pPr marL="2514600" indent="-228600" algn="l" defTabSz="914400" rtl="0" eaLnBrk="1" latinLnBrk="0" hangingPunct="1">
+              <a:spcBef>
+                <a:spcPct val="20000"/>
+              </a:spcBef>
+              <a:buFont typeface="Arial" pitchFamily="34" charset="0"/>
+              <a:buChar char="•"/>
+              <a:defRPr sz="2000" kern="1200">
+                <a:solidFill>
+                  <a:schemeClr val="tx1"/>
+                </a:solidFill>
+                <a:latin typeface="+mn-lt"/>
+                <a:ea typeface="+mn-ea"/>
+                <a:cs typeface="+mn-cs"/>
+              </a:defRPr>
+            </a:lvl6pPr>
+            <a:lvl7pPr marL="2971800" indent="-228600" algn="l" defTabSz="914400" rtl="0" eaLnBrk="1" latinLnBrk="0" hangingPunct="1">
+              <a:spcBef>
+                <a:spcPct val="20000"/>
+              </a:spcBef>
+              <a:buFont typeface="Arial" pitchFamily="34" charset="0"/>
+              <a:buChar char="•"/>
+              <a:defRPr sz="2000" kern="1200">
+                <a:solidFill>
+                  <a:schemeClr val="tx1"/>
+                </a:solidFill>
+                <a:latin typeface="+mn-lt"/>
+                <a:ea typeface="+mn-ea"/>
+                <a:cs typeface="+mn-cs"/>
+              </a:defRPr>
+            </a:lvl7pPr>
+            <a:lvl8pPr marL="3429000" indent="-228600" algn="l" defTabSz="914400" rtl="0" eaLnBrk="1" latinLnBrk="0" hangingPunct="1">
+              <a:spcBef>
+                <a:spcPct val="20000"/>
+              </a:spcBef>
+              <a:buFont typeface="Arial" pitchFamily="34" charset="0"/>
+              <a:buChar char="•"/>
+              <a:defRPr sz="2000" kern="1200">
+                <a:solidFill>
+                  <a:schemeClr val="tx1"/>
+                </a:solidFill>
+                <a:latin typeface="+mn-lt"/>
+                <a:ea typeface="+mn-ea"/>
+                <a:cs typeface="+mn-cs"/>
+              </a:defRPr>
+            </a:lvl8pPr>
+            <a:lvl9pPr marL="3886200" indent="-228600" algn="l" defTabSz="914400" rtl="0" eaLnBrk="1" latinLnBrk="0" hangingPunct="1">
+              <a:spcBef>
+                <a:spcPct val="20000"/>
+              </a:spcBef>
+              <a:buFont typeface="Arial" pitchFamily="34" charset="0"/>
+              <a:buChar char="•"/>
+              <a:defRPr sz="2000" kern="1200">
+                <a:solidFill>
+                  <a:schemeClr val="tx1"/>
+                </a:solidFill>
+                <a:latin typeface="+mn-lt"/>
+                <a:ea typeface="+mn-ea"/>
+                <a:cs typeface="+mn-cs"/>
+              </a:defRPr>
+            </a:lvl9pPr>
+          </a:lstStyle>
+          <a:p>
+            <a:pPr marL="342900" indent="-342900">
+              <a:buFont typeface="Wingdings" panose="05000000000000000000" pitchFamily="2" charset="2"/>
+              <a:buChar char="§"/>
+            </a:pPr>
+            <a:r>
+              <a:rPr lang="en-US" b="1" dirty="0"/>
+              <a:t>Free Books:</a:t>
+            </a:r>
+          </a:p>
+          <a:p>
+            <a:pPr marL="597150" lvl="1" indent="-342900">
+              <a:buFont typeface="Wingdings" panose="05000000000000000000" pitchFamily="2" charset="2"/>
+              <a:buChar char="§"/>
+            </a:pPr>
+            <a:r>
+              <a:rPr lang="en-US" dirty="0"/>
+              <a:t>https://www.syncfusion.com/succinctly-free-ebooks?category=all&amp;searchkey=asp.net&amp;type=all</a:t>
+            </a:r>
+          </a:p>
+        </p:txBody>
+      </p:sp>
+      <p:grpSp>
+        <p:nvGrpSpPr>
+          <p:cNvPr id="7" name="Group 6">
             <a:extLst>
-              <a:ext uri="{28A0092B-C50C-407E-A947-70E740481C1C}">
-                <a14:useLocalDpi xmlns:a14="http://schemas.microsoft.com/office/drawing/2010/main" val="0"/>
+              <a:ext uri="{FF2B5EF4-FFF2-40B4-BE49-F238E27FC236}">
+                <a16:creationId xmlns:a16="http://schemas.microsoft.com/office/drawing/2014/main" id="{2E6C7952-9F2E-5ECD-6F3D-B1F5CADD2D1E}"/>
               </a:ext>
             </a:extLst>
-          </a:blip>
-          <a:stretch>
-            <a:fillRect/>
-          </a:stretch>
-        </p:blipFill>
-        <p:spPr>
+          </p:cNvPr>
+          <p:cNvGrpSpPr/>
+          <p:nvPr/>
+        </p:nvGrpSpPr>
+        <p:grpSpPr>
           <a:xfrm>
-            <a:off x="8328248" y="1340768"/>
-            <a:ext cx="3178332" cy="4251949"/>
+            <a:off x="8544272" y="3212976"/>
+            <a:ext cx="2592288" cy="1224136"/>
+            <a:chOff x="8544272" y="3063128"/>
+            <a:chExt cx="2592288" cy="1224136"/>
           </a:xfrm>
-          <a:prstGeom prst="rect">
-            <a:avLst/>
-          </a:prstGeom>
-        </p:spPr>
-      </p:pic>
+        </p:grpSpPr>
+        <p:sp>
+          <p:nvSpPr>
+            <p:cNvPr id="9" name="Rectangle 8">
+              <a:extLst>
+                <a:ext uri="{FF2B5EF4-FFF2-40B4-BE49-F238E27FC236}">
+                  <a16:creationId xmlns:a16="http://schemas.microsoft.com/office/drawing/2014/main" id="{D4304E57-47A1-ED7F-DDEB-2A27F3411775}"/>
+                </a:ext>
+              </a:extLst>
+            </p:cNvPr>
+            <p:cNvSpPr/>
+            <p:nvPr/>
+          </p:nvSpPr>
+          <p:spPr>
+            <a:xfrm>
+              <a:off x="8544272" y="3063128"/>
+              <a:ext cx="2592288" cy="1224136"/>
+            </a:xfrm>
+            <a:prstGeom prst="rect">
+              <a:avLst/>
+            </a:prstGeom>
+            <a:solidFill>
+              <a:schemeClr val="tx1">
+                <a:lumMod val="50000"/>
+                <a:lumOff val="50000"/>
+              </a:schemeClr>
+            </a:solidFill>
+            <a:ln>
+              <a:noFill/>
+            </a:ln>
+          </p:spPr>
+          <p:style>
+            <a:lnRef idx="2">
+              <a:schemeClr val="accent1">
+                <a:shade val="15000"/>
+              </a:schemeClr>
+            </a:lnRef>
+            <a:fillRef idx="1">
+              <a:schemeClr val="accent1"/>
+            </a:fillRef>
+            <a:effectRef idx="0">
+              <a:schemeClr val="accent1"/>
+            </a:effectRef>
+            <a:fontRef idx="minor">
+              <a:schemeClr val="lt1"/>
+            </a:fontRef>
+          </p:style>
+          <p:txBody>
+            <a:bodyPr rtlCol="0" anchor="ctr"/>
+            <a:lstStyle/>
+            <a:p>
+              <a:pPr algn="ctr"/>
+              <a:endParaRPr lang="ro-RO"/>
+            </a:p>
+          </p:txBody>
+        </p:sp>
+        <p:pic>
+          <p:nvPicPr>
+            <p:cNvPr id="10" name="Picture 9" descr="A white text on a black background&#10;&#10;AI-generated content may be incorrect.">
+              <a:extLst>
+                <a:ext uri="{FF2B5EF4-FFF2-40B4-BE49-F238E27FC236}">
+                  <a16:creationId xmlns:a16="http://schemas.microsoft.com/office/drawing/2014/main" id="{DD6A4B40-351B-2AFE-1BF9-1FAB69258856}"/>
+                </a:ext>
+              </a:extLst>
+            </p:cNvPr>
+            <p:cNvPicPr>
+              <a:picLocks noChangeAspect="1"/>
+            </p:cNvPicPr>
+            <p:nvPr/>
+          </p:nvPicPr>
+          <p:blipFill>
+            <a:blip r:embed="rId2">
+              <a:extLst>
+                <a:ext uri="{28A0092B-C50C-407E-A947-70E740481C1C}">
+                  <a14:useLocalDpi xmlns:a14="http://schemas.microsoft.com/office/drawing/2010/main" val="0"/>
+                </a:ext>
+              </a:extLst>
+            </a:blip>
+            <a:stretch>
+              <a:fillRect/>
+            </a:stretch>
+          </p:blipFill>
+          <p:spPr>
+            <a:xfrm>
+              <a:off x="8837629" y="3475833"/>
+              <a:ext cx="2082907" cy="457223"/>
+            </a:xfrm>
+            <a:prstGeom prst="rect">
+              <a:avLst/>
+            </a:prstGeom>
+          </p:spPr>
+        </p:pic>
+      </p:grpSp>
     </p:spTree>
     <p:extLst>
       <p:ext uri="{BB962C8B-B14F-4D97-AF65-F5344CB8AC3E}">
